--- a/Documentation/Presentation.pptx
+++ b/Documentation/Presentation.pptx
@@ -5,18 +5,21 @@
     <p:sldMasterId id="2147483705" r:id="rId4"/>
   </p:sldMasterIdLst>
   <p:notesMasterIdLst>
-    <p:notesMasterId r:id="rId11"/>
+    <p:notesMasterId r:id="rId14"/>
   </p:notesMasterIdLst>
   <p:handoutMasterIdLst>
-    <p:handoutMasterId r:id="rId12"/>
+    <p:handoutMasterId r:id="rId15"/>
   </p:handoutMasterIdLst>
   <p:sldIdLst>
     <p:sldId id="289" r:id="rId5"/>
-    <p:sldId id="290" r:id="rId6"/>
-    <p:sldId id="291" r:id="rId7"/>
-    <p:sldId id="292" r:id="rId8"/>
-    <p:sldId id="293" r:id="rId9"/>
-    <p:sldId id="294" r:id="rId10"/>
+    <p:sldId id="295" r:id="rId6"/>
+    <p:sldId id="290" r:id="rId7"/>
+    <p:sldId id="291" r:id="rId8"/>
+    <p:sldId id="292" r:id="rId9"/>
+    <p:sldId id="297" r:id="rId10"/>
+    <p:sldId id="300" r:id="rId11"/>
+    <p:sldId id="293" r:id="rId12"/>
+    <p:sldId id="294" r:id="rId13"/>
   </p:sldIdLst>
   <p:sldSz cx="12192000" cy="6858000"/>
   <p:notesSz cx="6858000" cy="9144000"/>
@@ -237,7 +240,7 @@
           <a:p>
             <a:fld id="{0DC994AA-C437-4EF4-8BEF-0B832D7FA420}" type="datetimeFigureOut">
               <a:rPr lang="en-US" smtClean="0"/>
-              <a:t>5/10/2024</a:t>
+              <a:t>5/15/2024</a:t>
             </a:fld>
             <a:endParaRPr lang="en-US"/>
           </a:p>
@@ -373,7 +376,7 @@
           <a:p>
             <a:fld id="{38B16356-3B28-4AAF-8099-7941810E2475}" type="datetimeFigureOut">
               <a:rPr lang="en-US" smtClean="0"/>
-              <a:t>5/10/2024</a:t>
+              <a:t>5/15/2024</a:t>
             </a:fld>
             <a:endParaRPr lang="en-US"/>
           </a:p>
@@ -724,6 +727,174 @@
 </p:notes>
 </file>
 
+<file path=ppt/notesSlides/notesSlide2.xml><?xml version="1.0" encoding="utf-8"?>
+<p:notes xmlns:a="http://schemas.openxmlformats.org/drawingml/2006/main" xmlns:r="http://schemas.openxmlformats.org/officeDocument/2006/relationships" xmlns:p="http://schemas.openxmlformats.org/presentationml/2006/main">
+  <p:cSld>
+    <p:spTree>
+      <p:nvGrpSpPr>
+        <p:cNvPr id="1" name=""/>
+        <p:cNvGrpSpPr/>
+        <p:nvPr/>
+      </p:nvGrpSpPr>
+      <p:grpSpPr>
+        <a:xfrm>
+          <a:off x="0" y="0"/>
+          <a:ext cx="0" cy="0"/>
+          <a:chOff x="0" y="0"/>
+          <a:chExt cx="0" cy="0"/>
+        </a:xfrm>
+      </p:grpSpPr>
+      <p:sp>
+        <p:nvSpPr>
+          <p:cNvPr id="2" name="Slide Image Placeholder 1"/>
+          <p:cNvSpPr>
+            <a:spLocks noGrp="1" noRot="1" noChangeAspect="1"/>
+          </p:cNvSpPr>
+          <p:nvPr>
+            <p:ph type="sldImg"/>
+          </p:nvPr>
+        </p:nvSpPr>
+        <p:spPr/>
+      </p:sp>
+      <p:sp>
+        <p:nvSpPr>
+          <p:cNvPr id="3" name="Notes Placeholder 2"/>
+          <p:cNvSpPr>
+            <a:spLocks noGrp="1"/>
+          </p:cNvSpPr>
+          <p:nvPr>
+            <p:ph type="body" idx="1"/>
+          </p:nvPr>
+        </p:nvSpPr>
+        <p:spPr/>
+        <p:txBody>
+          <a:bodyPr/>
+          <a:lstStyle/>
+          <a:p>
+            <a:endParaRPr lang="en-US" dirty="0"/>
+          </a:p>
+        </p:txBody>
+      </p:sp>
+      <p:sp>
+        <p:nvSpPr>
+          <p:cNvPr id="4" name="Slide Number Placeholder 3"/>
+          <p:cNvSpPr>
+            <a:spLocks noGrp="1"/>
+          </p:cNvSpPr>
+          <p:nvPr>
+            <p:ph type="sldNum" sz="quarter" idx="5"/>
+          </p:nvPr>
+        </p:nvSpPr>
+        <p:spPr/>
+        <p:txBody>
+          <a:bodyPr/>
+          <a:lstStyle/>
+          <a:p>
+            <a:fld id="{CC5DA344-5FA2-43F7-9D95-CA56C82B080A}" type="slidenum">
+              <a:rPr lang="en-US" smtClean="0"/>
+              <a:t>6</a:t>
+            </a:fld>
+            <a:endParaRPr lang="en-US"/>
+          </a:p>
+        </p:txBody>
+      </p:sp>
+    </p:spTree>
+    <p:extLst>
+      <p:ext uri="{BB962C8B-B14F-4D97-AF65-F5344CB8AC3E}">
+        <p14:creationId xmlns:p14="http://schemas.microsoft.com/office/powerpoint/2010/main" val="4074651888"/>
+      </p:ext>
+    </p:extLst>
+  </p:cSld>
+  <p:clrMapOvr>
+    <a:masterClrMapping/>
+  </p:clrMapOvr>
+</p:notes>
+</file>
+
+<file path=ppt/notesSlides/notesSlide3.xml><?xml version="1.0" encoding="utf-8"?>
+<p:notes xmlns:a="http://schemas.openxmlformats.org/drawingml/2006/main" xmlns:r="http://schemas.openxmlformats.org/officeDocument/2006/relationships" xmlns:p="http://schemas.openxmlformats.org/presentationml/2006/main">
+  <p:cSld>
+    <p:spTree>
+      <p:nvGrpSpPr>
+        <p:cNvPr id="1" name=""/>
+        <p:cNvGrpSpPr/>
+        <p:nvPr/>
+      </p:nvGrpSpPr>
+      <p:grpSpPr>
+        <a:xfrm>
+          <a:off x="0" y="0"/>
+          <a:ext cx="0" cy="0"/>
+          <a:chOff x="0" y="0"/>
+          <a:chExt cx="0" cy="0"/>
+        </a:xfrm>
+      </p:grpSpPr>
+      <p:sp>
+        <p:nvSpPr>
+          <p:cNvPr id="2" name="Slide Image Placeholder 1"/>
+          <p:cNvSpPr>
+            <a:spLocks noGrp="1" noRot="1" noChangeAspect="1"/>
+          </p:cNvSpPr>
+          <p:nvPr>
+            <p:ph type="sldImg"/>
+          </p:nvPr>
+        </p:nvSpPr>
+        <p:spPr/>
+      </p:sp>
+      <p:sp>
+        <p:nvSpPr>
+          <p:cNvPr id="3" name="Notes Placeholder 2"/>
+          <p:cNvSpPr>
+            <a:spLocks noGrp="1"/>
+          </p:cNvSpPr>
+          <p:nvPr>
+            <p:ph type="body" idx="1"/>
+          </p:nvPr>
+        </p:nvSpPr>
+        <p:spPr/>
+        <p:txBody>
+          <a:bodyPr/>
+          <a:lstStyle/>
+          <a:p>
+            <a:endParaRPr lang="en-US" dirty="0"/>
+          </a:p>
+        </p:txBody>
+      </p:sp>
+      <p:sp>
+        <p:nvSpPr>
+          <p:cNvPr id="4" name="Slide Number Placeholder 3"/>
+          <p:cNvSpPr>
+            <a:spLocks noGrp="1"/>
+          </p:cNvSpPr>
+          <p:nvPr>
+            <p:ph type="sldNum" sz="quarter" idx="5"/>
+          </p:nvPr>
+        </p:nvSpPr>
+        <p:spPr/>
+        <p:txBody>
+          <a:bodyPr/>
+          <a:lstStyle/>
+          <a:p>
+            <a:fld id="{CC5DA344-5FA2-43F7-9D95-CA56C82B080A}" type="slidenum">
+              <a:rPr lang="en-US" smtClean="0"/>
+              <a:t>7</a:t>
+            </a:fld>
+            <a:endParaRPr lang="en-US"/>
+          </a:p>
+        </p:txBody>
+      </p:sp>
+    </p:spTree>
+    <p:extLst>
+      <p:ext uri="{BB962C8B-B14F-4D97-AF65-F5344CB8AC3E}">
+        <p14:creationId xmlns:p14="http://schemas.microsoft.com/office/powerpoint/2010/main" val="2101318853"/>
+      </p:ext>
+    </p:extLst>
+  </p:cSld>
+  <p:clrMapOvr>
+    <a:masterClrMapping/>
+  </p:clrMapOvr>
+</p:notes>
+</file>
+
 <file path=ppt/slideLayouts/slideLayout1.xml><?xml version="1.0" encoding="utf-8"?>
 <p:sldLayout xmlns:a="http://schemas.openxmlformats.org/drawingml/2006/main" xmlns:r="http://schemas.openxmlformats.org/officeDocument/2006/relationships" xmlns:p="http://schemas.openxmlformats.org/presentationml/2006/main" type="title" preserve="1">
   <p:cSld name="Title Slide">
@@ -876,7 +1047,7 @@
           <a:p>
             <a:fld id="{8C1E1FAD-7351-4908-963A-08EA8E4AB7A0}" type="datetimeFigureOut">
               <a:rPr lang="en-US" smtClean="0"/>
-              <a:t>5/10/2024</a:t>
+              <a:t>5/15/2024</a:t>
             </a:fld>
             <a:endParaRPr lang="en-US"/>
           </a:p>
@@ -1074,7 +1245,7 @@
           <a:p>
             <a:fld id="{8C1E1FAD-7351-4908-963A-08EA8E4AB7A0}" type="datetimeFigureOut">
               <a:rPr lang="en-US" smtClean="0"/>
-              <a:t>5/10/2024</a:t>
+              <a:t>5/15/2024</a:t>
             </a:fld>
             <a:endParaRPr lang="en-US"/>
           </a:p>
@@ -1282,7 +1453,7 @@
           <a:p>
             <a:fld id="{8C1E1FAD-7351-4908-963A-08EA8E4AB7A0}" type="datetimeFigureOut">
               <a:rPr lang="en-US" smtClean="0"/>
-              <a:t>5/10/2024</a:t>
+              <a:t>5/15/2024</a:t>
             </a:fld>
             <a:endParaRPr lang="en-US"/>
           </a:p>
@@ -1805,7 +1976,7 @@
           <a:p>
             <a:fld id="{8C1E1FAD-7351-4908-963A-08EA8E4AB7A0}" type="datetimeFigureOut">
               <a:rPr lang="en-US" smtClean="0"/>
-              <a:t>5/10/2024</a:t>
+              <a:t>5/15/2024</a:t>
             </a:fld>
             <a:endParaRPr lang="en-US"/>
           </a:p>
@@ -2082,7 +2253,7 @@
           <a:p>
             <a:fld id="{8C1E1FAD-7351-4908-963A-08EA8E4AB7A0}" type="datetimeFigureOut">
               <a:rPr lang="en-US" smtClean="0"/>
-              <a:t>5/10/2024</a:t>
+              <a:t>5/15/2024</a:t>
             </a:fld>
             <a:endParaRPr lang="en-US"/>
           </a:p>
@@ -2347,7 +2518,7 @@
           <a:p>
             <a:fld id="{8C1E1FAD-7351-4908-963A-08EA8E4AB7A0}" type="datetimeFigureOut">
               <a:rPr lang="en-US" smtClean="0"/>
-              <a:t>5/10/2024</a:t>
+              <a:t>5/15/2024</a:t>
             </a:fld>
             <a:endParaRPr lang="en-US"/>
           </a:p>
@@ -2763,7 +2934,7 @@
           <a:p>
             <a:fld id="{8C1E1FAD-7351-4908-963A-08EA8E4AB7A0}" type="datetimeFigureOut">
               <a:rPr lang="en-US" smtClean="0"/>
-              <a:t>5/10/2024</a:t>
+              <a:t>5/15/2024</a:t>
             </a:fld>
             <a:endParaRPr lang="en-US"/>
           </a:p>
@@ -2909,7 +3080,7 @@
           <a:p>
             <a:fld id="{8C1E1FAD-7351-4908-963A-08EA8E4AB7A0}" type="datetimeFigureOut">
               <a:rPr lang="en-US" smtClean="0"/>
-              <a:t>5/10/2024</a:t>
+              <a:t>5/15/2024</a:t>
             </a:fld>
             <a:endParaRPr lang="en-US"/>
           </a:p>
@@ -3022,7 +3193,7 @@
           <a:p>
             <a:fld id="{8C1E1FAD-7351-4908-963A-08EA8E4AB7A0}" type="datetimeFigureOut">
               <a:rPr lang="en-US" smtClean="0"/>
-              <a:t>5/10/2024</a:t>
+              <a:t>5/15/2024</a:t>
             </a:fld>
             <a:endParaRPr lang="en-US"/>
           </a:p>
@@ -3337,7 +3508,7 @@
           <a:p>
             <a:fld id="{8C1E1FAD-7351-4908-963A-08EA8E4AB7A0}" type="datetimeFigureOut">
               <a:rPr lang="en-US" smtClean="0"/>
-              <a:t>5/10/2024</a:t>
+              <a:t>5/15/2024</a:t>
             </a:fld>
             <a:endParaRPr lang="en-US"/>
           </a:p>
@@ -3630,7 +3801,7 @@
           <a:p>
             <a:fld id="{8C1E1FAD-7351-4908-963A-08EA8E4AB7A0}" type="datetimeFigureOut">
               <a:rPr lang="en-US" smtClean="0"/>
-              <a:t>5/10/2024</a:t>
+              <a:t>5/15/2024</a:t>
             </a:fld>
             <a:endParaRPr lang="en-US"/>
           </a:p>
@@ -3869,7 +4040,7 @@
           <a:p>
             <a:fld id="{8C1E1FAD-7351-4908-963A-08EA8E4AB7A0}" type="datetimeFigureOut">
               <a:rPr lang="en-US" smtClean="0"/>
-              <a:t>5/10/2024</a:t>
+              <a:t>5/15/2024</a:t>
             </a:fld>
             <a:endParaRPr lang="en-US"/>
           </a:p>
@@ -4887,6 +5058,177 @@
 </file>
 
 <file path=ppt/slides/slide2.xml><?xml version="1.0" encoding="utf-8"?>
+<p:sld xmlns:a="http://schemas.openxmlformats.org/drawingml/2006/main" xmlns:r="http://schemas.openxmlformats.org/officeDocument/2006/relationships" xmlns:p="http://schemas.openxmlformats.org/presentationml/2006/main">
+  <p:cSld>
+    <p:spTree>
+      <p:nvGrpSpPr>
+        <p:cNvPr id="1" name=""/>
+        <p:cNvGrpSpPr/>
+        <p:nvPr/>
+      </p:nvGrpSpPr>
+      <p:grpSpPr>
+        <a:xfrm>
+          <a:off x="0" y="0"/>
+          <a:ext cx="0" cy="0"/>
+          <a:chOff x="0" y="0"/>
+          <a:chExt cx="0" cy="0"/>
+        </a:xfrm>
+      </p:grpSpPr>
+      <p:sp>
+        <p:nvSpPr>
+          <p:cNvPr id="2" name="Title 1">
+            <a:extLst>
+              <a:ext uri="{FF2B5EF4-FFF2-40B4-BE49-F238E27FC236}">
+                <a16:creationId xmlns:a16="http://schemas.microsoft.com/office/drawing/2014/main" id="{22016FD1-5076-8C3E-B43F-441BE62F72D6}"/>
+              </a:ext>
+            </a:extLst>
+          </p:cNvPr>
+          <p:cNvSpPr>
+            <a:spLocks noGrp="1"/>
+          </p:cNvSpPr>
+          <p:nvPr>
+            <p:ph type="ctrTitle"/>
+          </p:nvPr>
+        </p:nvSpPr>
+        <p:spPr>
+          <a:xfrm>
+            <a:off x="884900" y="102089"/>
+            <a:ext cx="5427584" cy="3599727"/>
+          </a:xfrm>
+        </p:spPr>
+        <p:txBody>
+          <a:bodyPr/>
+          <a:lstStyle/>
+          <a:p>
+            <a:r>
+              <a:rPr lang="en-US" dirty="0"/>
+              <a:t>Team 21</a:t>
+            </a:r>
+          </a:p>
+        </p:txBody>
+      </p:sp>
+      <p:sp>
+        <p:nvSpPr>
+          <p:cNvPr id="3" name="Picture Placeholder 2">
+            <a:extLst>
+              <a:ext uri="{FF2B5EF4-FFF2-40B4-BE49-F238E27FC236}">
+                <a16:creationId xmlns:a16="http://schemas.microsoft.com/office/drawing/2014/main" id="{36129642-BC76-BF0E-2B7C-D50912DB9F6E}"/>
+              </a:ext>
+            </a:extLst>
+          </p:cNvPr>
+          <p:cNvSpPr>
+            <a:spLocks noGrp="1"/>
+          </p:cNvSpPr>
+          <p:nvPr>
+            <p:ph type="pic" sz="quarter" idx="10"/>
+          </p:nvPr>
+        </p:nvSpPr>
+        <p:spPr>
+          <a:xfrm>
+            <a:off x="4296230" y="-18288"/>
+            <a:ext cx="7907346" cy="6894576"/>
+          </a:xfrm>
+        </p:spPr>
+        <p:txBody>
+          <a:bodyPr>
+            <a:normAutofit/>
+          </a:bodyPr>
+          <a:lstStyle/>
+          <a:p>
+            <a:pPr algn="l"/>
+            <a:endParaRPr lang="en-US" sz="2400" dirty="0"/>
+          </a:p>
+          <a:p>
+            <a:pPr algn="l"/>
+            <a:endParaRPr lang="en-US" sz="2400" dirty="0"/>
+          </a:p>
+          <a:p>
+            <a:pPr algn="l"/>
+            <a:endParaRPr lang="en-US" sz="2400" dirty="0"/>
+          </a:p>
+          <a:p>
+            <a:pPr algn="l"/>
+            <a:r>
+              <a:rPr lang="en-US" sz="2400" dirty="0"/>
+              <a:t>Ahmed Wael Ibrahim – 20P3343</a:t>
+            </a:r>
+          </a:p>
+          <a:p>
+            <a:pPr algn="l"/>
+            <a:r>
+              <a:rPr lang="en-US" sz="2400" dirty="0"/>
+              <a:t>Mustafa Usama Abdelrahman – 20P5556</a:t>
+            </a:r>
+          </a:p>
+          <a:p>
+            <a:pPr algn="l"/>
+            <a:r>
+              <a:rPr lang="en-US" sz="2400" dirty="0"/>
+              <a:t>Ahmed Sameh Mahmoud </a:t>
+            </a:r>
+            <a:r>
+              <a:rPr lang="en-US" sz="2400" dirty="0" err="1"/>
+              <a:t>Nabieh</a:t>
+            </a:r>
+            <a:r>
+              <a:rPr lang="en-US" sz="2400" dirty="0"/>
+              <a:t> – 20P2914</a:t>
+            </a:r>
+          </a:p>
+          <a:p>
+            <a:pPr algn="l"/>
+            <a:r>
+              <a:rPr lang="en-US" sz="2400" dirty="0"/>
+              <a:t>Farah Ahmed </a:t>
+            </a:r>
+            <a:r>
+              <a:rPr lang="en-US" sz="2400" dirty="0" err="1"/>
+              <a:t>Abdelrehim</a:t>
+            </a:r>
+            <a:r>
+              <a:rPr lang="en-US" sz="2400" dirty="0"/>
+              <a:t> </a:t>
+            </a:r>
+            <a:r>
+              <a:rPr lang="en-US" sz="2400" dirty="0" err="1"/>
+              <a:t>Tharwat</a:t>
+            </a:r>
+            <a:r>
+              <a:rPr lang="en-US" sz="2400" dirty="0"/>
+              <a:t> – 20P1269</a:t>
+            </a:r>
+          </a:p>
+          <a:p>
+            <a:pPr algn="l"/>
+            <a:r>
+              <a:rPr lang="en-US" sz="2400" dirty="0"/>
+              <a:t>Salma Mohamed </a:t>
+            </a:r>
+            <a:r>
+              <a:rPr lang="en-US" sz="2400" dirty="0" err="1"/>
+              <a:t>Elsoly</a:t>
+            </a:r>
+            <a:r>
+              <a:rPr lang="en-US" sz="2400" dirty="0"/>
+              <a:t> – 20P6375</a:t>
+            </a:r>
+          </a:p>
+        </p:txBody>
+      </p:sp>
+    </p:spTree>
+    <p:extLst>
+      <p:ext uri="{BB962C8B-B14F-4D97-AF65-F5344CB8AC3E}">
+        <p14:creationId xmlns:p14="http://schemas.microsoft.com/office/powerpoint/2010/main" val="1986922214"/>
+      </p:ext>
+    </p:extLst>
+  </p:cSld>
+  <p:clrMapOvr>
+    <a:masterClrMapping/>
+  </p:clrMapOvr>
+</p:sld>
+</file>
+
+<file path=ppt/slides/slide3.xml><?xml version="1.0" encoding="utf-8"?>
 <p:sld xmlns:a="http://schemas.openxmlformats.org/drawingml/2006/main" xmlns:r="http://schemas.openxmlformats.org/officeDocument/2006/relationships" xmlns:p="http://schemas.openxmlformats.org/presentationml/2006/main">
   <p:cSld>
     <p:spTree>
@@ -6865,7 +7207,7 @@
 </p:sld>
 </file>
 
-<file path=ppt/slides/slide3.xml><?xml version="1.0" encoding="utf-8"?>
+<file path=ppt/slides/slide4.xml><?xml version="1.0" encoding="utf-8"?>
 <p:sld xmlns:a="http://schemas.openxmlformats.org/drawingml/2006/main" xmlns:r="http://schemas.openxmlformats.org/officeDocument/2006/relationships" xmlns:p="http://schemas.openxmlformats.org/presentationml/2006/main">
   <p:cSld>
     <p:spTree>
@@ -8858,7 +9200,7 @@
 </p:sld>
 </file>
 
-<file path=ppt/slides/slide4.xml><?xml version="1.0" encoding="utf-8"?>
+<file path=ppt/slides/slide5.xml><?xml version="1.0" encoding="utf-8"?>
 <p:sld xmlns:a="http://schemas.openxmlformats.org/drawingml/2006/main" xmlns:r="http://schemas.openxmlformats.org/officeDocument/2006/relationships" xmlns:p="http://schemas.openxmlformats.org/presentationml/2006/main">
   <p:cSld>
     <p:spTree>
@@ -10199,7 +10541,832 @@
 </p:sld>
 </file>
 
-<file path=ppt/slides/slide5.xml><?xml version="1.0" encoding="utf-8"?>
+<file path=ppt/slides/slide6.xml><?xml version="1.0" encoding="utf-8"?>
+<p:sld xmlns:a="http://schemas.openxmlformats.org/drawingml/2006/main" xmlns:r="http://schemas.openxmlformats.org/officeDocument/2006/relationships" xmlns:p="http://schemas.openxmlformats.org/presentationml/2006/main">
+  <p:cSld>
+    <p:spTree>
+      <p:nvGrpSpPr>
+        <p:cNvPr id="1" name=""/>
+        <p:cNvGrpSpPr/>
+        <p:nvPr/>
+      </p:nvGrpSpPr>
+      <p:grpSpPr>
+        <a:xfrm>
+          <a:off x="0" y="0"/>
+          <a:ext cx="0" cy="0"/>
+          <a:chOff x="0" y="0"/>
+          <a:chExt cx="0" cy="0"/>
+        </a:xfrm>
+      </p:grpSpPr>
+      <p:pic>
+        <p:nvPicPr>
+          <p:cNvPr id="7" name="Picture Placeholder 6" descr="A person driving a car&#10;&#10;Description automatically generated">
+            <a:extLst>
+              <a:ext uri="{FF2B5EF4-FFF2-40B4-BE49-F238E27FC236}">
+                <a16:creationId xmlns:a16="http://schemas.microsoft.com/office/drawing/2014/main" id="{ED21B7CD-3D69-26B5-8A0B-52A19A6B0A26}"/>
+              </a:ext>
+            </a:extLst>
+          </p:cNvPr>
+          <p:cNvPicPr>
+            <a:picLocks noGrp="1" noChangeAspect="1"/>
+          </p:cNvPicPr>
+          <p:nvPr>
+            <p:ph type="pic" sz="quarter" idx="10"/>
+          </p:nvPr>
+        </p:nvPicPr>
+        <p:blipFill rotWithShape="1">
+          <a:blip r:embed="rId3">
+            <a:alphaModFix amt="85000"/>
+            <a:extLst>
+              <a:ext uri="{28A0092B-C50C-407E-A947-70E740481C1C}">
+                <a14:useLocalDpi xmlns:a14="http://schemas.microsoft.com/office/drawing/2010/main" val="0"/>
+              </a:ext>
+            </a:extLst>
+          </a:blip>
+          <a:srcRect r="2" b="7673"/>
+          <a:stretch/>
+        </p:blipFill>
+        <p:spPr>
+          <a:xfrm>
+            <a:off x="1515390" y="1"/>
+            <a:ext cx="10676610" cy="6579963"/>
+          </a:xfrm>
+          <a:custGeom>
+            <a:avLst/>
+            <a:gdLst/>
+            <a:ahLst/>
+            <a:cxnLst/>
+            <a:rect l="l" t="t" r="r" b="b"/>
+            <a:pathLst>
+              <a:path w="10676610" h="6579963">
+                <a:moveTo>
+                  <a:pt x="215405" y="0"/>
+                </a:moveTo>
+                <a:lnTo>
+                  <a:pt x="10676610" y="0"/>
+                </a:lnTo>
+                <a:lnTo>
+                  <a:pt x="10676610" y="6579963"/>
+                </a:lnTo>
+                <a:lnTo>
+                  <a:pt x="7355966" y="6464004"/>
+                </a:lnTo>
+                <a:lnTo>
+                  <a:pt x="4702794" y="6371353"/>
+                </a:lnTo>
+                <a:lnTo>
+                  <a:pt x="4701194" y="6371562"/>
+                </a:lnTo>
+                <a:cubicBezTo>
+                  <a:pt x="4637876" y="6376133"/>
+                  <a:pt x="4462972" y="6371398"/>
+                  <a:pt x="4471635" y="6363460"/>
+                </a:cubicBezTo>
+                <a:lnTo>
+                  <a:pt x="4433861" y="6361962"/>
+                </a:lnTo>
+                <a:lnTo>
+                  <a:pt x="3961112" y="6345453"/>
+                </a:lnTo>
+                <a:lnTo>
+                  <a:pt x="3243372" y="6320389"/>
+                </a:lnTo>
+                <a:lnTo>
+                  <a:pt x="2413092" y="6291395"/>
+                </a:lnTo>
+                <a:lnTo>
+                  <a:pt x="2393154" y="6292495"/>
+                </a:lnTo>
+                <a:lnTo>
+                  <a:pt x="2315360" y="6300887"/>
+                </a:lnTo>
+                <a:lnTo>
+                  <a:pt x="2298611" y="6306534"/>
+                </a:lnTo>
+                <a:lnTo>
+                  <a:pt x="2279503" y="6300544"/>
+                </a:lnTo>
+                <a:cubicBezTo>
+                  <a:pt x="2277186" y="6298895"/>
+                  <a:pt x="2275315" y="6297068"/>
+                  <a:pt x="2273947" y="6295128"/>
+                </a:cubicBezTo>
+                <a:lnTo>
+                  <a:pt x="2212012" y="6303334"/>
+                </a:lnTo>
+                <a:lnTo>
+                  <a:pt x="2204556" y="6303364"/>
+                </a:lnTo>
+                <a:lnTo>
+                  <a:pt x="2153281" y="6300107"/>
+                </a:lnTo>
+                <a:lnTo>
+                  <a:pt x="2077203" y="6289875"/>
+                </a:lnTo>
+                <a:lnTo>
+                  <a:pt x="2053052" y="6278822"/>
+                </a:lnTo>
+                <a:lnTo>
+                  <a:pt x="1767173" y="6268839"/>
+                </a:lnTo>
+                <a:lnTo>
+                  <a:pt x="1759313" y="6270144"/>
+                </a:lnTo>
+                <a:cubicBezTo>
+                  <a:pt x="1755431" y="6272141"/>
+                  <a:pt x="1753270" y="6275527"/>
+                  <a:pt x="1754015" y="6281083"/>
+                </a:cubicBezTo>
+                <a:cubicBezTo>
+                  <a:pt x="1745153" y="6280220"/>
+                  <a:pt x="1736444" y="6278451"/>
+                  <a:pt x="1727673" y="6276451"/>
+                </a:cubicBezTo>
+                <a:lnTo>
+                  <a:pt x="1723075" y="6275419"/>
+                </a:lnTo>
+                <a:lnTo>
+                  <a:pt x="1705819" y="6276363"/>
+                </a:lnTo>
+                <a:lnTo>
+                  <a:pt x="1699541" y="6270286"/>
+                </a:lnTo>
+                <a:lnTo>
+                  <a:pt x="1641181" y="6270668"/>
+                </a:lnTo>
+                <a:cubicBezTo>
+                  <a:pt x="1615727" y="6285700"/>
+                  <a:pt x="1568880" y="6276769"/>
+                  <a:pt x="1529578" y="6282433"/>
+                </a:cubicBezTo>
+                <a:lnTo>
+                  <a:pt x="1512242" y="6288237"/>
+                </a:lnTo>
+                <a:lnTo>
+                  <a:pt x="1398646" y="6294505"/>
+                </a:lnTo>
+                <a:lnTo>
+                  <a:pt x="1320851" y="6302897"/>
+                </a:lnTo>
+                <a:lnTo>
+                  <a:pt x="1304103" y="6308544"/>
+                </a:lnTo>
+                <a:lnTo>
+                  <a:pt x="1284995" y="6302554"/>
+                </a:lnTo>
+                <a:cubicBezTo>
+                  <a:pt x="1282678" y="6300906"/>
+                  <a:pt x="1280807" y="6299080"/>
+                  <a:pt x="1279438" y="6297138"/>
+                </a:cubicBezTo>
+                <a:lnTo>
+                  <a:pt x="1217504" y="6305344"/>
+                </a:lnTo>
+                <a:lnTo>
+                  <a:pt x="1210048" y="6305374"/>
+                </a:lnTo>
+                <a:lnTo>
+                  <a:pt x="1158774" y="6302117"/>
+                </a:lnTo>
+                <a:lnTo>
+                  <a:pt x="1082697" y="6291886"/>
+                </a:lnTo>
+                <a:cubicBezTo>
+                  <a:pt x="1057648" y="6285154"/>
+                  <a:pt x="1035684" y="6260420"/>
+                  <a:pt x="1004086" y="6271573"/>
+                </a:cubicBezTo>
+                <a:cubicBezTo>
+                  <a:pt x="1011465" y="6258262"/>
+                  <a:pt x="966910" y="6274591"/>
+                  <a:pt x="958597" y="6262852"/>
+                </a:cubicBezTo>
+                <a:cubicBezTo>
+                  <a:pt x="953810" y="6253162"/>
+                  <a:pt x="939179" y="6255858"/>
+                  <a:pt x="927065" y="6253548"/>
+                </a:cubicBezTo>
+                <a:cubicBezTo>
+                  <a:pt x="916739" y="6244315"/>
+                  <a:pt x="857833" y="6241901"/>
+                  <a:pt x="838376" y="6245778"/>
+                </a:cubicBezTo>
+                <a:cubicBezTo>
+                  <a:pt x="784876" y="6262719"/>
+                  <a:pt x="730857" y="6227065"/>
+                  <a:pt x="687848" y="6239552"/>
+                </a:cubicBezTo>
+                <a:cubicBezTo>
+                  <a:pt x="670765" y="6238110"/>
+                  <a:pt x="659514" y="6236097"/>
+                  <a:pt x="651351" y="6234065"/>
+                </a:cubicBezTo>
+                <a:lnTo>
+                  <a:pt x="636157" y="6229343"/>
+                </a:lnTo>
+                <a:lnTo>
+                  <a:pt x="36670" y="6208408"/>
+                </a:lnTo>
+                <a:lnTo>
+                  <a:pt x="36752" y="6206084"/>
+                </a:lnTo>
+                <a:lnTo>
+                  <a:pt x="10323" y="6193998"/>
+                </a:lnTo>
+                <a:cubicBezTo>
+                  <a:pt x="3640" y="6186831"/>
+                  <a:pt x="-317" y="6177124"/>
+                  <a:pt x="21" y="6166561"/>
+                </a:cubicBezTo>
+                <a:lnTo>
+                  <a:pt x="109134" y="3041977"/>
+                </a:lnTo>
+                <a:lnTo>
+                  <a:pt x="114183" y="3032927"/>
+                </a:lnTo>
+                <a:lnTo>
+                  <a:pt x="109891" y="3021493"/>
+                </a:lnTo>
+                <a:close/>
+              </a:path>
+            </a:pathLst>
+          </a:custGeom>
+        </p:spPr>
+      </p:pic>
+      <p:sp>
+        <p:nvSpPr>
+          <p:cNvPr id="9" name="Title 8">
+            <a:extLst>
+              <a:ext uri="{FF2B5EF4-FFF2-40B4-BE49-F238E27FC236}">
+                <a16:creationId xmlns:a16="http://schemas.microsoft.com/office/drawing/2014/main" id="{6FEC93CF-2672-7D78-F278-58C5E012E0DF}"/>
+              </a:ext>
+            </a:extLst>
+          </p:cNvPr>
+          <p:cNvSpPr>
+            <a:spLocks noGrp="1"/>
+          </p:cNvSpPr>
+          <p:nvPr>
+            <p:ph type="ctrTitle"/>
+          </p:nvPr>
+        </p:nvSpPr>
+        <p:spPr>
+          <a:xfrm>
+            <a:off x="3117542" y="1777501"/>
+            <a:ext cx="5956916" cy="3024962"/>
+          </a:xfrm>
+        </p:spPr>
+        <p:txBody>
+          <a:bodyPr vert="horz" lIns="91440" tIns="45720" rIns="91440" bIns="45720" rtlCol="0" anchor="b">
+            <a:normAutofit/>
+          </a:bodyPr>
+          <a:lstStyle/>
+          <a:p>
+            <a:pPr algn="ctr"/>
+            <a:r>
+              <a:rPr lang="en-US" sz="5400" i="1" kern="1200" dirty="0">
+                <a:solidFill>
+                  <a:srgbClr val="000000"/>
+                </a:solidFill>
+                <a:highlight>
+                  <a:srgbClr val="FFFF00"/>
+                </a:highlight>
+                <a:latin typeface="+mj-lt"/>
+                <a:ea typeface="+mj-ea"/>
+                <a:cs typeface="+mj-cs"/>
+              </a:rPr>
+              <a:t>Code implementation</a:t>
+            </a:r>
+          </a:p>
+        </p:txBody>
+      </p:sp>
+    </p:spTree>
+    <p:extLst>
+      <p:ext uri="{BB962C8B-B14F-4D97-AF65-F5344CB8AC3E}">
+        <p14:creationId xmlns:p14="http://schemas.microsoft.com/office/powerpoint/2010/main" val="724769581"/>
+      </p:ext>
+    </p:extLst>
+  </p:cSld>
+  <p:clrMapOvr>
+    <a:masterClrMapping/>
+  </p:clrMapOvr>
+  <p:timing>
+    <p:tnLst>
+      <p:par>
+        <p:cTn id="1" dur="indefinite" restart="never" nodeType="tmRoot">
+          <p:childTnLst>
+            <p:seq concurrent="1" nextAc="seek">
+              <p:cTn id="2" dur="indefinite" nodeType="mainSeq">
+                <p:childTnLst>
+                  <p:par>
+                    <p:cTn id="3" fill="hold">
+                      <p:stCondLst>
+                        <p:cond delay="indefinite"/>
+                        <p:cond evt="onBegin" delay="0">
+                          <p:tn val="2"/>
+                        </p:cond>
+                      </p:stCondLst>
+                      <p:childTnLst>
+                        <p:par>
+                          <p:cTn id="4" fill="hold">
+                            <p:stCondLst>
+                              <p:cond delay="0"/>
+                            </p:stCondLst>
+                            <p:childTnLst>
+                              <p:par>
+                                <p:cTn id="5" presetID="10" presetClass="entr" presetSubtype="0" fill="hold" grpId="0" nodeType="withEffect">
+                                  <p:stCondLst>
+                                    <p:cond delay="0"/>
+                                  </p:stCondLst>
+                                  <p:iterate>
+                                    <p:tmPct val="10000"/>
+                                  </p:iterate>
+                                  <p:childTnLst>
+                                    <p:set>
+                                      <p:cBhvr>
+                                        <p:cTn id="6" dur="1" fill="hold">
+                                          <p:stCondLst>
+                                            <p:cond delay="0"/>
+                                          </p:stCondLst>
+                                        </p:cTn>
+                                        <p:tgtEl>
+                                          <p:spTgt spid="9"/>
+                                        </p:tgtEl>
+                                        <p:attrNameLst>
+                                          <p:attrName>style.visibility</p:attrName>
+                                        </p:attrNameLst>
+                                      </p:cBhvr>
+                                      <p:to>
+                                        <p:strVal val="visible"/>
+                                      </p:to>
+                                    </p:set>
+                                    <p:animEffect transition="in" filter="fade">
+                                      <p:cBhvr>
+                                        <p:cTn id="7" dur="700"/>
+                                        <p:tgtEl>
+                                          <p:spTgt spid="9"/>
+                                        </p:tgtEl>
+                                      </p:cBhvr>
+                                    </p:animEffect>
+                                  </p:childTnLst>
+                                </p:cTn>
+                              </p:par>
+                            </p:childTnLst>
+                          </p:cTn>
+                        </p:par>
+                      </p:childTnLst>
+                    </p:cTn>
+                  </p:par>
+                </p:childTnLst>
+              </p:cTn>
+              <p:prevCondLst>
+                <p:cond evt="onPrev" delay="0">
+                  <p:tgtEl>
+                    <p:sldTgt/>
+                  </p:tgtEl>
+                </p:cond>
+              </p:prevCondLst>
+              <p:nextCondLst>
+                <p:cond evt="onNext" delay="0">
+                  <p:tgtEl>
+                    <p:sldTgt/>
+                  </p:tgtEl>
+                </p:cond>
+              </p:nextCondLst>
+            </p:seq>
+          </p:childTnLst>
+        </p:cTn>
+      </p:par>
+    </p:tnLst>
+    <p:bldLst>
+      <p:bldP spid="9" grpId="0"/>
+    </p:bldLst>
+  </p:timing>
+</p:sld>
+</file>
+
+<file path=ppt/slides/slide7.xml><?xml version="1.0" encoding="utf-8"?>
+<p:sld xmlns:a="http://schemas.openxmlformats.org/drawingml/2006/main" xmlns:r="http://schemas.openxmlformats.org/officeDocument/2006/relationships" xmlns:p="http://schemas.openxmlformats.org/presentationml/2006/main">
+  <p:cSld>
+    <p:spTree>
+      <p:nvGrpSpPr>
+        <p:cNvPr id="1" name=""/>
+        <p:cNvGrpSpPr/>
+        <p:nvPr/>
+      </p:nvGrpSpPr>
+      <p:grpSpPr>
+        <a:xfrm>
+          <a:off x="0" y="0"/>
+          <a:ext cx="0" cy="0"/>
+          <a:chOff x="0" y="0"/>
+          <a:chExt cx="0" cy="0"/>
+        </a:xfrm>
+      </p:grpSpPr>
+      <p:pic>
+        <p:nvPicPr>
+          <p:cNvPr id="7" name="Picture Placeholder 6" descr="A person driving a car&#10;&#10;Description automatically generated">
+            <a:extLst>
+              <a:ext uri="{FF2B5EF4-FFF2-40B4-BE49-F238E27FC236}">
+                <a16:creationId xmlns:a16="http://schemas.microsoft.com/office/drawing/2014/main" id="{ED21B7CD-3D69-26B5-8A0B-52A19A6B0A26}"/>
+              </a:ext>
+            </a:extLst>
+          </p:cNvPr>
+          <p:cNvPicPr>
+            <a:picLocks noGrp="1" noChangeAspect="1"/>
+          </p:cNvPicPr>
+          <p:nvPr>
+            <p:ph type="pic" sz="quarter" idx="10"/>
+          </p:nvPr>
+        </p:nvPicPr>
+        <p:blipFill rotWithShape="1">
+          <a:blip r:embed="rId3">
+            <a:alphaModFix amt="85000"/>
+            <a:extLst>
+              <a:ext uri="{28A0092B-C50C-407E-A947-70E740481C1C}">
+                <a14:useLocalDpi xmlns:a14="http://schemas.microsoft.com/office/drawing/2010/main" val="0"/>
+              </a:ext>
+            </a:extLst>
+          </a:blip>
+          <a:srcRect r="2" b="7673"/>
+          <a:stretch/>
+        </p:blipFill>
+        <p:spPr>
+          <a:xfrm>
+            <a:off x="1515390" y="1"/>
+            <a:ext cx="10676610" cy="6579963"/>
+          </a:xfrm>
+          <a:custGeom>
+            <a:avLst/>
+            <a:gdLst/>
+            <a:ahLst/>
+            <a:cxnLst/>
+            <a:rect l="l" t="t" r="r" b="b"/>
+            <a:pathLst>
+              <a:path w="10676610" h="6579963">
+                <a:moveTo>
+                  <a:pt x="215405" y="0"/>
+                </a:moveTo>
+                <a:lnTo>
+                  <a:pt x="10676610" y="0"/>
+                </a:lnTo>
+                <a:lnTo>
+                  <a:pt x="10676610" y="6579963"/>
+                </a:lnTo>
+                <a:lnTo>
+                  <a:pt x="7355966" y="6464004"/>
+                </a:lnTo>
+                <a:lnTo>
+                  <a:pt x="4702794" y="6371353"/>
+                </a:lnTo>
+                <a:lnTo>
+                  <a:pt x="4701194" y="6371562"/>
+                </a:lnTo>
+                <a:cubicBezTo>
+                  <a:pt x="4637876" y="6376133"/>
+                  <a:pt x="4462972" y="6371398"/>
+                  <a:pt x="4471635" y="6363460"/>
+                </a:cubicBezTo>
+                <a:lnTo>
+                  <a:pt x="4433861" y="6361962"/>
+                </a:lnTo>
+                <a:lnTo>
+                  <a:pt x="3961112" y="6345453"/>
+                </a:lnTo>
+                <a:lnTo>
+                  <a:pt x="3243372" y="6320389"/>
+                </a:lnTo>
+                <a:lnTo>
+                  <a:pt x="2413092" y="6291395"/>
+                </a:lnTo>
+                <a:lnTo>
+                  <a:pt x="2393154" y="6292495"/>
+                </a:lnTo>
+                <a:lnTo>
+                  <a:pt x="2315360" y="6300887"/>
+                </a:lnTo>
+                <a:lnTo>
+                  <a:pt x="2298611" y="6306534"/>
+                </a:lnTo>
+                <a:lnTo>
+                  <a:pt x="2279503" y="6300544"/>
+                </a:lnTo>
+                <a:cubicBezTo>
+                  <a:pt x="2277186" y="6298895"/>
+                  <a:pt x="2275315" y="6297068"/>
+                  <a:pt x="2273947" y="6295128"/>
+                </a:cubicBezTo>
+                <a:lnTo>
+                  <a:pt x="2212012" y="6303334"/>
+                </a:lnTo>
+                <a:lnTo>
+                  <a:pt x="2204556" y="6303364"/>
+                </a:lnTo>
+                <a:lnTo>
+                  <a:pt x="2153281" y="6300107"/>
+                </a:lnTo>
+                <a:lnTo>
+                  <a:pt x="2077203" y="6289875"/>
+                </a:lnTo>
+                <a:lnTo>
+                  <a:pt x="2053052" y="6278822"/>
+                </a:lnTo>
+                <a:lnTo>
+                  <a:pt x="1767173" y="6268839"/>
+                </a:lnTo>
+                <a:lnTo>
+                  <a:pt x="1759313" y="6270144"/>
+                </a:lnTo>
+                <a:cubicBezTo>
+                  <a:pt x="1755431" y="6272141"/>
+                  <a:pt x="1753270" y="6275527"/>
+                  <a:pt x="1754015" y="6281083"/>
+                </a:cubicBezTo>
+                <a:cubicBezTo>
+                  <a:pt x="1745153" y="6280220"/>
+                  <a:pt x="1736444" y="6278451"/>
+                  <a:pt x="1727673" y="6276451"/>
+                </a:cubicBezTo>
+                <a:lnTo>
+                  <a:pt x="1723075" y="6275419"/>
+                </a:lnTo>
+                <a:lnTo>
+                  <a:pt x="1705819" y="6276363"/>
+                </a:lnTo>
+                <a:lnTo>
+                  <a:pt x="1699541" y="6270286"/>
+                </a:lnTo>
+                <a:lnTo>
+                  <a:pt x="1641181" y="6270668"/>
+                </a:lnTo>
+                <a:cubicBezTo>
+                  <a:pt x="1615727" y="6285700"/>
+                  <a:pt x="1568880" y="6276769"/>
+                  <a:pt x="1529578" y="6282433"/>
+                </a:cubicBezTo>
+                <a:lnTo>
+                  <a:pt x="1512242" y="6288237"/>
+                </a:lnTo>
+                <a:lnTo>
+                  <a:pt x="1398646" y="6294505"/>
+                </a:lnTo>
+                <a:lnTo>
+                  <a:pt x="1320851" y="6302897"/>
+                </a:lnTo>
+                <a:lnTo>
+                  <a:pt x="1304103" y="6308544"/>
+                </a:lnTo>
+                <a:lnTo>
+                  <a:pt x="1284995" y="6302554"/>
+                </a:lnTo>
+                <a:cubicBezTo>
+                  <a:pt x="1282678" y="6300906"/>
+                  <a:pt x="1280807" y="6299080"/>
+                  <a:pt x="1279438" y="6297138"/>
+                </a:cubicBezTo>
+                <a:lnTo>
+                  <a:pt x="1217504" y="6305344"/>
+                </a:lnTo>
+                <a:lnTo>
+                  <a:pt x="1210048" y="6305374"/>
+                </a:lnTo>
+                <a:lnTo>
+                  <a:pt x="1158774" y="6302117"/>
+                </a:lnTo>
+                <a:lnTo>
+                  <a:pt x="1082697" y="6291886"/>
+                </a:lnTo>
+                <a:cubicBezTo>
+                  <a:pt x="1057648" y="6285154"/>
+                  <a:pt x="1035684" y="6260420"/>
+                  <a:pt x="1004086" y="6271573"/>
+                </a:cubicBezTo>
+                <a:cubicBezTo>
+                  <a:pt x="1011465" y="6258262"/>
+                  <a:pt x="966910" y="6274591"/>
+                  <a:pt x="958597" y="6262852"/>
+                </a:cubicBezTo>
+                <a:cubicBezTo>
+                  <a:pt x="953810" y="6253162"/>
+                  <a:pt x="939179" y="6255858"/>
+                  <a:pt x="927065" y="6253548"/>
+                </a:cubicBezTo>
+                <a:cubicBezTo>
+                  <a:pt x="916739" y="6244315"/>
+                  <a:pt x="857833" y="6241901"/>
+                  <a:pt x="838376" y="6245778"/>
+                </a:cubicBezTo>
+                <a:cubicBezTo>
+                  <a:pt x="784876" y="6262719"/>
+                  <a:pt x="730857" y="6227065"/>
+                  <a:pt x="687848" y="6239552"/>
+                </a:cubicBezTo>
+                <a:cubicBezTo>
+                  <a:pt x="670765" y="6238110"/>
+                  <a:pt x="659514" y="6236097"/>
+                  <a:pt x="651351" y="6234065"/>
+                </a:cubicBezTo>
+                <a:lnTo>
+                  <a:pt x="636157" y="6229343"/>
+                </a:lnTo>
+                <a:lnTo>
+                  <a:pt x="36670" y="6208408"/>
+                </a:lnTo>
+                <a:lnTo>
+                  <a:pt x="36752" y="6206084"/>
+                </a:lnTo>
+                <a:lnTo>
+                  <a:pt x="10323" y="6193998"/>
+                </a:lnTo>
+                <a:cubicBezTo>
+                  <a:pt x="3640" y="6186831"/>
+                  <a:pt x="-317" y="6177124"/>
+                  <a:pt x="21" y="6166561"/>
+                </a:cubicBezTo>
+                <a:lnTo>
+                  <a:pt x="109134" y="3041977"/>
+                </a:lnTo>
+                <a:lnTo>
+                  <a:pt x="114183" y="3032927"/>
+                </a:lnTo>
+                <a:lnTo>
+                  <a:pt x="109891" y="3021493"/>
+                </a:lnTo>
+                <a:close/>
+              </a:path>
+            </a:pathLst>
+          </a:custGeom>
+        </p:spPr>
+      </p:pic>
+      <p:sp>
+        <p:nvSpPr>
+          <p:cNvPr id="9" name="Title 8">
+            <a:extLst>
+              <a:ext uri="{FF2B5EF4-FFF2-40B4-BE49-F238E27FC236}">
+                <a16:creationId xmlns:a16="http://schemas.microsoft.com/office/drawing/2014/main" id="{6FEC93CF-2672-7D78-F278-58C5E012E0DF}"/>
+              </a:ext>
+            </a:extLst>
+          </p:cNvPr>
+          <p:cNvSpPr>
+            <a:spLocks noGrp="1"/>
+          </p:cNvSpPr>
+          <p:nvPr>
+            <p:ph type="ctrTitle"/>
+          </p:nvPr>
+        </p:nvSpPr>
+        <p:spPr>
+          <a:xfrm>
+            <a:off x="3117542" y="927109"/>
+            <a:ext cx="5956916" cy="3024962"/>
+          </a:xfrm>
+        </p:spPr>
+        <p:txBody>
+          <a:bodyPr vert="horz" lIns="91440" tIns="45720" rIns="91440" bIns="45720" rtlCol="0" anchor="b">
+            <a:normAutofit/>
+          </a:bodyPr>
+          <a:lstStyle/>
+          <a:p>
+            <a:pPr algn="ctr"/>
+            <a:r>
+              <a:rPr lang="en-US" sz="5400" i="1" kern="1200" dirty="0">
+                <a:solidFill>
+                  <a:srgbClr val="000000"/>
+                </a:solidFill>
+                <a:highlight>
+                  <a:srgbClr val="FFFF00"/>
+                </a:highlight>
+                <a:latin typeface="+mj-lt"/>
+                <a:ea typeface="+mj-ea"/>
+                <a:cs typeface="+mj-cs"/>
+              </a:rPr>
+              <a:t>De</a:t>
+            </a:r>
+            <a:r>
+              <a:rPr lang="en-US" sz="5400" dirty="0">
+                <a:solidFill>
+                  <a:srgbClr val="000000"/>
+                </a:solidFill>
+              </a:rPr>
+              <a:t>mo project</a:t>
+            </a:r>
+            <a:endParaRPr lang="en-US" sz="5400" i="1" kern="1200" dirty="0">
+              <a:solidFill>
+                <a:srgbClr val="000000"/>
+              </a:solidFill>
+              <a:highlight>
+                <a:srgbClr val="FFFF00"/>
+              </a:highlight>
+              <a:latin typeface="+mj-lt"/>
+              <a:ea typeface="+mj-ea"/>
+              <a:cs typeface="+mj-cs"/>
+            </a:endParaRPr>
+          </a:p>
+        </p:txBody>
+      </p:sp>
+    </p:spTree>
+    <p:extLst>
+      <p:ext uri="{BB962C8B-B14F-4D97-AF65-F5344CB8AC3E}">
+        <p14:creationId xmlns:p14="http://schemas.microsoft.com/office/powerpoint/2010/main" val="2915776896"/>
+      </p:ext>
+    </p:extLst>
+  </p:cSld>
+  <p:clrMapOvr>
+    <a:masterClrMapping/>
+  </p:clrMapOvr>
+  <p:timing>
+    <p:tnLst>
+      <p:par>
+        <p:cTn id="1" dur="indefinite" restart="never" nodeType="tmRoot">
+          <p:childTnLst>
+            <p:seq concurrent="1" nextAc="seek">
+              <p:cTn id="2" dur="indefinite" nodeType="mainSeq">
+                <p:childTnLst>
+                  <p:par>
+                    <p:cTn id="3" fill="hold">
+                      <p:stCondLst>
+                        <p:cond delay="indefinite"/>
+                        <p:cond evt="onBegin" delay="0">
+                          <p:tn val="2"/>
+                        </p:cond>
+                      </p:stCondLst>
+                      <p:childTnLst>
+                        <p:par>
+                          <p:cTn id="4" fill="hold">
+                            <p:stCondLst>
+                              <p:cond delay="0"/>
+                            </p:stCondLst>
+                            <p:childTnLst>
+                              <p:par>
+                                <p:cTn id="5" presetID="10" presetClass="entr" presetSubtype="0" fill="hold" grpId="0" nodeType="withEffect">
+                                  <p:stCondLst>
+                                    <p:cond delay="0"/>
+                                  </p:stCondLst>
+                                  <p:iterate>
+                                    <p:tmPct val="10000"/>
+                                  </p:iterate>
+                                  <p:childTnLst>
+                                    <p:set>
+                                      <p:cBhvr>
+                                        <p:cTn id="6" dur="1" fill="hold">
+                                          <p:stCondLst>
+                                            <p:cond delay="0"/>
+                                          </p:stCondLst>
+                                        </p:cTn>
+                                        <p:tgtEl>
+                                          <p:spTgt spid="9"/>
+                                        </p:tgtEl>
+                                        <p:attrNameLst>
+                                          <p:attrName>style.visibility</p:attrName>
+                                        </p:attrNameLst>
+                                      </p:cBhvr>
+                                      <p:to>
+                                        <p:strVal val="visible"/>
+                                      </p:to>
+                                    </p:set>
+                                    <p:animEffect transition="in" filter="fade">
+                                      <p:cBhvr>
+                                        <p:cTn id="7" dur="700"/>
+                                        <p:tgtEl>
+                                          <p:spTgt spid="9"/>
+                                        </p:tgtEl>
+                                      </p:cBhvr>
+                                    </p:animEffect>
+                                  </p:childTnLst>
+                                </p:cTn>
+                              </p:par>
+                            </p:childTnLst>
+                          </p:cTn>
+                        </p:par>
+                      </p:childTnLst>
+                    </p:cTn>
+                  </p:par>
+                </p:childTnLst>
+              </p:cTn>
+              <p:prevCondLst>
+                <p:cond evt="onPrev" delay="0">
+                  <p:tgtEl>
+                    <p:sldTgt/>
+                  </p:tgtEl>
+                </p:cond>
+              </p:prevCondLst>
+              <p:nextCondLst>
+                <p:cond evt="onNext" delay="0">
+                  <p:tgtEl>
+                    <p:sldTgt/>
+                  </p:tgtEl>
+                </p:cond>
+              </p:nextCondLst>
+            </p:seq>
+          </p:childTnLst>
+        </p:cTn>
+      </p:par>
+    </p:tnLst>
+    <p:bldLst>
+      <p:bldP spid="9" grpId="0"/>
+    </p:bldLst>
+  </p:timing>
+</p:sld>
+</file>
+
+<file path=ppt/slides/slide8.xml><?xml version="1.0" encoding="utf-8"?>
 <p:sld xmlns:a="http://schemas.openxmlformats.org/drawingml/2006/main" xmlns:r="http://schemas.openxmlformats.org/officeDocument/2006/relationships" xmlns:p="http://schemas.openxmlformats.org/presentationml/2006/main">
   <p:cSld>
     <p:bg>
@@ -10275,7 +11442,7 @@
 </p:sld>
 </file>
 
-<file path=ppt/slides/slide6.xml><?xml version="1.0" encoding="utf-8"?>
+<file path=ppt/slides/slide9.xml><?xml version="1.0" encoding="utf-8"?>
 <p:sld xmlns:a="http://schemas.openxmlformats.org/drawingml/2006/main" xmlns:r="http://schemas.openxmlformats.org/officeDocument/2006/relationships" xmlns:p="http://schemas.openxmlformats.org/presentationml/2006/main">
   <p:cSld>
     <p:spTree>
